--- a/NEW KPU/KPU/DEM JEG KAN/Spørgsmål3DOTNET.pptx
+++ b/NEW KPU/KPU/DEM JEG KAN/Spørgsmål3DOTNET.pptx
@@ -274,7 +274,7 @@
           <a:p>
             <a:fld id="{9FBD7F75-2227-4511-94EA-2EC7D078D5F4}" type="datetimeFigureOut">
               <a:rPr lang="en-DK" smtClean="0"/>
-              <a:t>12/08/2020</a:t>
+              <a:t>17/08/2020</a:t>
             </a:fld>
             <a:endParaRPr lang="en-DK"/>
           </a:p>
@@ -474,7 +474,7 @@
           <a:p>
             <a:fld id="{9FBD7F75-2227-4511-94EA-2EC7D078D5F4}" type="datetimeFigureOut">
               <a:rPr lang="en-DK" smtClean="0"/>
-              <a:t>12/08/2020</a:t>
+              <a:t>17/08/2020</a:t>
             </a:fld>
             <a:endParaRPr lang="en-DK"/>
           </a:p>
@@ -684,7 +684,7 @@
           <a:p>
             <a:fld id="{9FBD7F75-2227-4511-94EA-2EC7D078D5F4}" type="datetimeFigureOut">
               <a:rPr lang="en-DK" smtClean="0"/>
-              <a:t>12/08/2020</a:t>
+              <a:t>17/08/2020</a:t>
             </a:fld>
             <a:endParaRPr lang="en-DK"/>
           </a:p>
@@ -884,7 +884,7 @@
           <a:p>
             <a:fld id="{9FBD7F75-2227-4511-94EA-2EC7D078D5F4}" type="datetimeFigureOut">
               <a:rPr lang="en-DK" smtClean="0"/>
-              <a:t>12/08/2020</a:t>
+              <a:t>17/08/2020</a:t>
             </a:fld>
             <a:endParaRPr lang="en-DK"/>
           </a:p>
@@ -1160,7 +1160,7 @@
           <a:p>
             <a:fld id="{9FBD7F75-2227-4511-94EA-2EC7D078D5F4}" type="datetimeFigureOut">
               <a:rPr lang="en-DK" smtClean="0"/>
-              <a:t>12/08/2020</a:t>
+              <a:t>17/08/2020</a:t>
             </a:fld>
             <a:endParaRPr lang="en-DK"/>
           </a:p>
@@ -1428,7 +1428,7 @@
           <a:p>
             <a:fld id="{9FBD7F75-2227-4511-94EA-2EC7D078D5F4}" type="datetimeFigureOut">
               <a:rPr lang="en-DK" smtClean="0"/>
-              <a:t>12/08/2020</a:t>
+              <a:t>17/08/2020</a:t>
             </a:fld>
             <a:endParaRPr lang="en-DK"/>
           </a:p>
@@ -1843,7 +1843,7 @@
           <a:p>
             <a:fld id="{9FBD7F75-2227-4511-94EA-2EC7D078D5F4}" type="datetimeFigureOut">
               <a:rPr lang="en-DK" smtClean="0"/>
-              <a:t>12/08/2020</a:t>
+              <a:t>17/08/2020</a:t>
             </a:fld>
             <a:endParaRPr lang="en-DK"/>
           </a:p>
@@ -1985,7 +1985,7 @@
           <a:p>
             <a:fld id="{9FBD7F75-2227-4511-94EA-2EC7D078D5F4}" type="datetimeFigureOut">
               <a:rPr lang="en-DK" smtClean="0"/>
-              <a:t>12/08/2020</a:t>
+              <a:t>17/08/2020</a:t>
             </a:fld>
             <a:endParaRPr lang="en-DK"/>
           </a:p>
@@ -2098,7 +2098,7 @@
           <a:p>
             <a:fld id="{9FBD7F75-2227-4511-94EA-2EC7D078D5F4}" type="datetimeFigureOut">
               <a:rPr lang="en-DK" smtClean="0"/>
-              <a:t>12/08/2020</a:t>
+              <a:t>17/08/2020</a:t>
             </a:fld>
             <a:endParaRPr lang="en-DK"/>
           </a:p>
@@ -2411,7 +2411,7 @@
           <a:p>
             <a:fld id="{9FBD7F75-2227-4511-94EA-2EC7D078D5F4}" type="datetimeFigureOut">
               <a:rPr lang="en-DK" smtClean="0"/>
-              <a:t>12/08/2020</a:t>
+              <a:t>17/08/2020</a:t>
             </a:fld>
             <a:endParaRPr lang="en-DK"/>
           </a:p>
@@ -2700,7 +2700,7 @@
           <a:p>
             <a:fld id="{9FBD7F75-2227-4511-94EA-2EC7D078D5F4}" type="datetimeFigureOut">
               <a:rPr lang="en-DK" smtClean="0"/>
-              <a:t>12/08/2020</a:t>
+              <a:t>17/08/2020</a:t>
             </a:fld>
             <a:endParaRPr lang="en-DK"/>
           </a:p>
@@ -2943,7 +2943,7 @@
           <a:p>
             <a:fld id="{9FBD7F75-2227-4511-94EA-2EC7D078D5F4}" type="datetimeFigureOut">
               <a:rPr lang="en-DK" smtClean="0"/>
-              <a:t>12/08/2020</a:t>
+              <a:t>17/08/2020</a:t>
             </a:fld>
             <a:endParaRPr lang="en-DK"/>
           </a:p>
@@ -4897,6 +4897,45 @@
           </a:prstGeom>
         </p:spPr>
       </p:pic>
+      <p:sp>
+        <p:nvSpPr>
+          <p:cNvPr id="8" name="TextBox 7">
+            <a:extLst>
+              <a:ext uri="{FF2B5EF4-FFF2-40B4-BE49-F238E27FC236}">
+                <a16:creationId xmlns:a16="http://schemas.microsoft.com/office/drawing/2014/main" id="{381DE38F-DC18-4CA1-97AE-DBB345F7D58D}"/>
+              </a:ext>
+            </a:extLst>
+          </p:cNvPr>
+          <p:cNvSpPr txBox="1"/>
+          <p:nvPr/>
+        </p:nvSpPr>
+        <p:spPr>
+          <a:xfrm>
+            <a:off x="7533314" y="6353293"/>
+            <a:ext cx="2910980" cy="369332"/>
+          </a:xfrm>
+          <a:prstGeom prst="rect">
+            <a:avLst/>
+          </a:prstGeom>
+          <a:noFill/>
+        </p:spPr>
+        <p:txBody>
+          <a:bodyPr wrap="square" rtlCol="0">
+            <a:spAutoFit/>
+          </a:bodyPr>
+          <a:lstStyle/>
+          <a:p>
+            <a:r>
+              <a:rPr lang="da-DK" dirty="0">
+                <a:solidFill>
+                  <a:schemeClr val="bg1"/>
+                </a:solidFill>
+              </a:rPr>
+              <a:t>Kilde: Lektions slides</a:t>
+            </a:r>
+          </a:p>
+        </p:txBody>
+      </p:sp>
     </p:spTree>
     <p:extLst>
       <p:ext uri="{BB962C8B-B14F-4D97-AF65-F5344CB8AC3E}">
@@ -5768,6 +5807,41 @@
           </a:p>
           <a:p>
             <a:endParaRPr lang="en-DK" sz="2200"/>
+          </a:p>
+        </p:txBody>
+      </p:sp>
+      <p:sp>
+        <p:nvSpPr>
+          <p:cNvPr id="5" name="TextBox 4">
+            <a:extLst>
+              <a:ext uri="{FF2B5EF4-FFF2-40B4-BE49-F238E27FC236}">
+                <a16:creationId xmlns:a16="http://schemas.microsoft.com/office/drawing/2014/main" id="{ED88B89F-A016-4792-AE3E-93E32D9A54EB}"/>
+              </a:ext>
+            </a:extLst>
+          </p:cNvPr>
+          <p:cNvSpPr txBox="1"/>
+          <p:nvPr/>
+        </p:nvSpPr>
+        <p:spPr>
+          <a:xfrm>
+            <a:off x="1006679" y="6409189"/>
+            <a:ext cx="2910980" cy="369332"/>
+          </a:xfrm>
+          <a:prstGeom prst="rect">
+            <a:avLst/>
+          </a:prstGeom>
+          <a:noFill/>
+        </p:spPr>
+        <p:txBody>
+          <a:bodyPr wrap="square" rtlCol="0">
+            <a:spAutoFit/>
+          </a:bodyPr>
+          <a:lstStyle/>
+          <a:p>
+            <a:r>
+              <a:rPr lang="da-DK" dirty="0"/>
+              <a:t>Kilde: Lektions slides</a:t>
+            </a:r>
           </a:p>
         </p:txBody>
       </p:sp>
@@ -6482,6 +6556,41 @@
           </a:prstGeom>
         </p:spPr>
       </p:pic>
+      <p:sp>
+        <p:nvSpPr>
+          <p:cNvPr id="12" name="TextBox 11">
+            <a:extLst>
+              <a:ext uri="{FF2B5EF4-FFF2-40B4-BE49-F238E27FC236}">
+                <a16:creationId xmlns:a16="http://schemas.microsoft.com/office/drawing/2014/main" id="{A8585029-FF50-499E-8BD5-31A8039B374A}"/>
+              </a:ext>
+            </a:extLst>
+          </p:cNvPr>
+          <p:cNvSpPr txBox="1"/>
+          <p:nvPr/>
+        </p:nvSpPr>
+        <p:spPr>
+          <a:xfrm>
+            <a:off x="1006679" y="6409189"/>
+            <a:ext cx="2910980" cy="369332"/>
+          </a:xfrm>
+          <a:prstGeom prst="rect">
+            <a:avLst/>
+          </a:prstGeom>
+          <a:noFill/>
+        </p:spPr>
+        <p:txBody>
+          <a:bodyPr wrap="square" rtlCol="0">
+            <a:spAutoFit/>
+          </a:bodyPr>
+          <a:lstStyle/>
+          <a:p>
+            <a:r>
+              <a:rPr lang="da-DK" dirty="0"/>
+              <a:t>Kilde: Lektions slides</a:t>
+            </a:r>
+          </a:p>
+        </p:txBody>
+      </p:sp>
     </p:spTree>
     <p:extLst>
       <p:ext uri="{BB962C8B-B14F-4D97-AF65-F5344CB8AC3E}">
@@ -7022,6 +7131,41 @@
           <a:effectLst/>
         </p:spPr>
       </p:pic>
+      <p:sp>
+        <p:nvSpPr>
+          <p:cNvPr id="7" name="TextBox 6">
+            <a:extLst>
+              <a:ext uri="{FF2B5EF4-FFF2-40B4-BE49-F238E27FC236}">
+                <a16:creationId xmlns:a16="http://schemas.microsoft.com/office/drawing/2014/main" id="{2B9A053B-532E-40D0-895E-126C55AFE789}"/>
+              </a:ext>
+            </a:extLst>
+          </p:cNvPr>
+          <p:cNvSpPr txBox="1"/>
+          <p:nvPr/>
+        </p:nvSpPr>
+        <p:spPr>
+          <a:xfrm>
+            <a:off x="7404523" y="6296969"/>
+            <a:ext cx="2910980" cy="369332"/>
+          </a:xfrm>
+          <a:prstGeom prst="rect">
+            <a:avLst/>
+          </a:prstGeom>
+          <a:noFill/>
+        </p:spPr>
+        <p:txBody>
+          <a:bodyPr wrap="square" rtlCol="0">
+            <a:spAutoFit/>
+          </a:bodyPr>
+          <a:lstStyle/>
+          <a:p>
+            <a:r>
+              <a:rPr lang="da-DK" dirty="0"/>
+              <a:t>Kilde: Lektions slides</a:t>
+            </a:r>
+          </a:p>
+        </p:txBody>
+      </p:sp>
     </p:spTree>
     <p:extLst>
       <p:ext uri="{BB962C8B-B14F-4D97-AF65-F5344CB8AC3E}">
